--- a/Python_Pipeline/PythonPipeline_4_Decorator.pptx
+++ b/Python_Pipeline/PythonPipeline_4_Decorator.pptx
@@ -5,16 +5,18 @@
     <p:sldMasterId id="2147483648" r:id="rId1"/>
   </p:sldMasterIdLst>
   <p:notesMasterIdLst>
-    <p:notesMasterId r:id="rId9"/>
+    <p:notesMasterId r:id="rId11"/>
   </p:notesMasterIdLst>
   <p:sldIdLst>
     <p:sldId id="256" r:id="rId2"/>
     <p:sldId id="258" r:id="rId3"/>
     <p:sldId id="259" r:id="rId4"/>
-    <p:sldId id="271" r:id="rId5"/>
-    <p:sldId id="272" r:id="rId6"/>
-    <p:sldId id="273" r:id="rId7"/>
-    <p:sldId id="274" r:id="rId8"/>
+    <p:sldId id="275" r:id="rId5"/>
+    <p:sldId id="271" r:id="rId6"/>
+    <p:sldId id="272" r:id="rId7"/>
+    <p:sldId id="273" r:id="rId8"/>
+    <p:sldId id="276" r:id="rId9"/>
+    <p:sldId id="274" r:id="rId10"/>
   </p:sldIdLst>
   <p:sldSz cx="12192000" cy="6858000"/>
   <p:notesSz cx="6858000" cy="9144000"/>
@@ -203,7 +205,7 @@
           <a:p>
             <a:fld id="{8A135E18-C188-4B80-9445-659122C614DD}" type="datetimeFigureOut">
               <a:rPr lang="en-US" smtClean="0"/>
-              <a:t>2/4/2020</a:t>
+              <a:t>3/26/2020</a:t>
             </a:fld>
             <a:endParaRPr lang="en-US"/>
           </a:p>
@@ -516,7 +518,7 @@
           <a:p>
             <a:r>
               <a:rPr lang="en-US" dirty="0"/>
-              <a:t>Hello. Today I am going to introduce what is inheritance in Python.</a:t>
+              <a:t>Hello. Today I am going to introduce Python decorator.</a:t>
             </a:r>
           </a:p>
         </p:txBody>
@@ -601,10 +603,7 @@
           <a:bodyPr/>
           <a:lstStyle/>
           <a:p>
-            <a:r>
-              <a:rPr lang="en-US" dirty="0"/>
-              <a:t>What are constructor and destructor</a:t>
-            </a:r>
+            <a:endParaRPr lang="en-US" dirty="0"/>
           </a:p>
         </p:txBody>
       </p:sp>
@@ -886,7 +885,7 @@
           <a:p>
             <a:fld id="{E526EDF5-73A9-4F30-B1A6-8B6AF30FC97A}" type="slidenum">
               <a:rPr lang="en-US" smtClean="0"/>
-              <a:t>4</a:t>
+              <a:t>5</a:t>
             </a:fld>
             <a:endParaRPr lang="en-US"/>
           </a:p>
@@ -989,7 +988,7 @@
           <a:p>
             <a:fld id="{E526EDF5-73A9-4F30-B1A6-8B6AF30FC97A}" type="slidenum">
               <a:rPr lang="en-US" smtClean="0"/>
-              <a:t>5</a:t>
+              <a:t>6</a:t>
             </a:fld>
             <a:endParaRPr lang="en-US"/>
           </a:p>
@@ -1076,7 +1075,7 @@
           <a:p>
             <a:fld id="{E526EDF5-73A9-4F30-B1A6-8B6AF30FC97A}" type="slidenum">
               <a:rPr lang="en-US" smtClean="0"/>
-              <a:t>7</a:t>
+              <a:t>9</a:t>
             </a:fld>
             <a:endParaRPr lang="en-US"/>
           </a:p>
@@ -1242,7 +1241,7 @@
           <a:p>
             <a:fld id="{01E01B02-CFB9-4BE7-AFFD-E66651E1C201}" type="datetimeFigureOut">
               <a:rPr lang="en-US" smtClean="0"/>
-              <a:t>2/4/2020</a:t>
+              <a:t>3/26/2020</a:t>
             </a:fld>
             <a:endParaRPr lang="en-US"/>
           </a:p>
@@ -1440,7 +1439,7 @@
           <a:p>
             <a:fld id="{01E01B02-CFB9-4BE7-AFFD-E66651E1C201}" type="datetimeFigureOut">
               <a:rPr lang="en-US" smtClean="0"/>
-              <a:t>2/4/2020</a:t>
+              <a:t>3/26/2020</a:t>
             </a:fld>
             <a:endParaRPr lang="en-US"/>
           </a:p>
@@ -1648,7 +1647,7 @@
           <a:p>
             <a:fld id="{01E01B02-CFB9-4BE7-AFFD-E66651E1C201}" type="datetimeFigureOut">
               <a:rPr lang="en-US" smtClean="0"/>
-              <a:t>2/4/2020</a:t>
+              <a:t>3/26/2020</a:t>
             </a:fld>
             <a:endParaRPr lang="en-US"/>
           </a:p>
@@ -1846,7 +1845,7 @@
           <a:p>
             <a:fld id="{01E01B02-CFB9-4BE7-AFFD-E66651E1C201}" type="datetimeFigureOut">
               <a:rPr lang="en-US" smtClean="0"/>
-              <a:t>2/4/2020</a:t>
+              <a:t>3/26/2020</a:t>
             </a:fld>
             <a:endParaRPr lang="en-US"/>
           </a:p>
@@ -2121,7 +2120,7 @@
           <a:p>
             <a:fld id="{01E01B02-CFB9-4BE7-AFFD-E66651E1C201}" type="datetimeFigureOut">
               <a:rPr lang="en-US" smtClean="0"/>
-              <a:t>2/4/2020</a:t>
+              <a:t>3/26/2020</a:t>
             </a:fld>
             <a:endParaRPr lang="en-US"/>
           </a:p>
@@ -2386,7 +2385,7 @@
           <a:p>
             <a:fld id="{01E01B02-CFB9-4BE7-AFFD-E66651E1C201}" type="datetimeFigureOut">
               <a:rPr lang="en-US" smtClean="0"/>
-              <a:t>2/4/2020</a:t>
+              <a:t>3/26/2020</a:t>
             </a:fld>
             <a:endParaRPr lang="en-US"/>
           </a:p>
@@ -2798,7 +2797,7 @@
           <a:p>
             <a:fld id="{01E01B02-CFB9-4BE7-AFFD-E66651E1C201}" type="datetimeFigureOut">
               <a:rPr lang="en-US" smtClean="0"/>
-              <a:t>2/4/2020</a:t>
+              <a:t>3/26/2020</a:t>
             </a:fld>
             <a:endParaRPr lang="en-US"/>
           </a:p>
@@ -2939,7 +2938,7 @@
           <a:p>
             <a:fld id="{01E01B02-CFB9-4BE7-AFFD-E66651E1C201}" type="datetimeFigureOut">
               <a:rPr lang="en-US" smtClean="0"/>
-              <a:t>2/4/2020</a:t>
+              <a:t>3/26/2020</a:t>
             </a:fld>
             <a:endParaRPr lang="en-US"/>
           </a:p>
@@ -3052,7 +3051,7 @@
           <a:p>
             <a:fld id="{01E01B02-CFB9-4BE7-AFFD-E66651E1C201}" type="datetimeFigureOut">
               <a:rPr lang="en-US" smtClean="0"/>
-              <a:t>2/4/2020</a:t>
+              <a:t>3/26/2020</a:t>
             </a:fld>
             <a:endParaRPr lang="en-US"/>
           </a:p>
@@ -3363,7 +3362,7 @@
           <a:p>
             <a:fld id="{01E01B02-CFB9-4BE7-AFFD-E66651E1C201}" type="datetimeFigureOut">
               <a:rPr lang="en-US" smtClean="0"/>
-              <a:t>2/4/2020</a:t>
+              <a:t>3/26/2020</a:t>
             </a:fld>
             <a:endParaRPr lang="en-US"/>
           </a:p>
@@ -3651,7 +3650,7 @@
           <a:p>
             <a:fld id="{01E01B02-CFB9-4BE7-AFFD-E66651E1C201}" type="datetimeFigureOut">
               <a:rPr lang="en-US" smtClean="0"/>
-              <a:t>2/4/2020</a:t>
+              <a:t>3/26/2020</a:t>
             </a:fld>
             <a:endParaRPr lang="en-US"/>
           </a:p>
@@ -3892,7 +3891,7 @@
           <a:p>
             <a:fld id="{01E01B02-CFB9-4BE7-AFFD-E66651E1C201}" type="datetimeFigureOut">
               <a:rPr lang="en-US" smtClean="0"/>
-              <a:t>2/4/2020</a:t>
+              <a:t>3/26/2020</a:t>
             </a:fld>
             <a:endParaRPr lang="en-US"/>
           </a:p>
@@ -4781,6 +4780,133 @@
           <p:cNvPr id="2" name="Title 1">
             <a:extLst>
               <a:ext uri="{FF2B5EF4-FFF2-40B4-BE49-F238E27FC236}">
+                <a16:creationId xmlns:a16="http://schemas.microsoft.com/office/drawing/2014/main" id="{C8D09A13-9EC0-4E2B-964E-84CB2A39DEC8}"/>
+              </a:ext>
+            </a:extLst>
+          </p:cNvPr>
+          <p:cNvSpPr>
+            <a:spLocks noGrp="1"/>
+          </p:cNvSpPr>
+          <p:nvPr>
+            <p:ph type="title"/>
+          </p:nvPr>
+        </p:nvSpPr>
+        <p:spPr>
+          <a:xfrm>
+            <a:off x="393700" y="365125"/>
+            <a:ext cx="4051300" cy="1325563"/>
+          </a:xfrm>
+        </p:spPr>
+        <p:txBody>
+          <a:bodyPr/>
+          <a:lstStyle/>
+          <a:p>
+            <a:r>
+              <a:rPr lang="en-US" dirty="0"/>
+              <a:t>Decorator style:</a:t>
+            </a:r>
+          </a:p>
+        </p:txBody>
+      </p:sp>
+      <p:sp>
+        <p:nvSpPr>
+          <p:cNvPr id="3" name="Content Placeholder 2">
+            <a:extLst>
+              <a:ext uri="{FF2B5EF4-FFF2-40B4-BE49-F238E27FC236}">
+                <a16:creationId xmlns:a16="http://schemas.microsoft.com/office/drawing/2014/main" id="{A92813E6-D573-4085-8E9F-72C0D454E7D0}"/>
+              </a:ext>
+            </a:extLst>
+          </p:cNvPr>
+          <p:cNvSpPr>
+            <a:spLocks noGrp="1"/>
+          </p:cNvSpPr>
+          <p:nvPr>
+            <p:ph idx="1"/>
+          </p:nvPr>
+        </p:nvSpPr>
+        <p:spPr>
+          <a:xfrm>
+            <a:off x="838200" y="3911601"/>
+            <a:ext cx="3810000" cy="2265362"/>
+          </a:xfrm>
+        </p:spPr>
+        <p:txBody>
+          <a:bodyPr>
+            <a:normAutofit/>
+          </a:bodyPr>
+          <a:lstStyle/>
+          <a:p>
+            <a:r>
+              <a:rPr lang="en-US" dirty="0"/>
+              <a:t>This code is the decorator style based on previous code. </a:t>
+            </a:r>
+          </a:p>
+        </p:txBody>
+      </p:sp>
+      <p:pic>
+        <p:nvPicPr>
+          <p:cNvPr id="4" name="Picture 3">
+            <a:extLst>
+              <a:ext uri="{FF2B5EF4-FFF2-40B4-BE49-F238E27FC236}">
+                <a16:creationId xmlns:a16="http://schemas.microsoft.com/office/drawing/2014/main" id="{19BCB0EC-587F-49E7-89FF-CA4D80D72B71}"/>
+              </a:ext>
+            </a:extLst>
+          </p:cNvPr>
+          <p:cNvPicPr>
+            <a:picLocks noChangeAspect="1"/>
+          </p:cNvPicPr>
+          <p:nvPr/>
+        </p:nvPicPr>
+        <p:blipFill rotWithShape="1">
+          <a:blip r:embed="rId2"/>
+          <a:srcRect l="24167" t="15991" r="31042" b="5300"/>
+          <a:stretch/>
+        </p:blipFill>
+        <p:spPr>
+          <a:xfrm>
+            <a:off x="4800600" y="-107950"/>
+            <a:ext cx="7137400" cy="6722435"/>
+          </a:xfrm>
+          <a:prstGeom prst="rect">
+            <a:avLst/>
+          </a:prstGeom>
+        </p:spPr>
+      </p:pic>
+    </p:spTree>
+    <p:extLst>
+      <p:ext uri="{BB962C8B-B14F-4D97-AF65-F5344CB8AC3E}">
+        <p14:creationId xmlns:p14="http://schemas.microsoft.com/office/powerpoint/2010/main" val="430704154"/>
+      </p:ext>
+    </p:extLst>
+  </p:cSld>
+  <p:clrMapOvr>
+    <a:masterClrMapping/>
+  </p:clrMapOvr>
+</p:sld>
+</file>
+
+<file path=ppt/slides/slide5.xml><?xml version="1.0" encoding="utf-8"?>
+<p:sld xmlns:a="http://schemas.openxmlformats.org/drawingml/2006/main" xmlns:r="http://schemas.openxmlformats.org/officeDocument/2006/relationships" xmlns:p="http://schemas.openxmlformats.org/presentationml/2006/main">
+  <p:cSld>
+    <p:spTree>
+      <p:nvGrpSpPr>
+        <p:cNvPr id="1" name=""/>
+        <p:cNvGrpSpPr/>
+        <p:nvPr/>
+      </p:nvGrpSpPr>
+      <p:grpSpPr>
+        <a:xfrm>
+          <a:off x="0" y="0"/>
+          <a:ext cx="0" cy="0"/>
+          <a:chOff x="0" y="0"/>
+          <a:chExt cx="0" cy="0"/>
+        </a:xfrm>
+      </p:grpSpPr>
+      <p:sp>
+        <p:nvSpPr>
+          <p:cNvPr id="2" name="Title 1">
+            <a:extLst>
+              <a:ext uri="{FF2B5EF4-FFF2-40B4-BE49-F238E27FC236}">
                 <a16:creationId xmlns:a16="http://schemas.microsoft.com/office/drawing/2014/main" id="{20266535-93C0-4046-98E8-5150C845F73C}"/>
               </a:ext>
             </a:extLst>
@@ -5088,248 +5214,6 @@
 </p:sld>
 </file>
 
-<file path=ppt/slides/slide5.xml><?xml version="1.0" encoding="utf-8"?>
-<p:sld xmlns:a="http://schemas.openxmlformats.org/drawingml/2006/main" xmlns:r="http://schemas.openxmlformats.org/officeDocument/2006/relationships" xmlns:p="http://schemas.openxmlformats.org/presentationml/2006/main">
-  <p:cSld>
-    <p:spTree>
-      <p:nvGrpSpPr>
-        <p:cNvPr id="1" name=""/>
-        <p:cNvGrpSpPr/>
-        <p:nvPr/>
-      </p:nvGrpSpPr>
-      <p:grpSpPr>
-        <a:xfrm>
-          <a:off x="0" y="0"/>
-          <a:ext cx="0" cy="0"/>
-          <a:chOff x="0" y="0"/>
-          <a:chExt cx="0" cy="0"/>
-        </a:xfrm>
-      </p:grpSpPr>
-      <p:sp>
-        <p:nvSpPr>
-          <p:cNvPr id="2" name="Title 1">
-            <a:extLst>
-              <a:ext uri="{FF2B5EF4-FFF2-40B4-BE49-F238E27FC236}">
-                <a16:creationId xmlns:a16="http://schemas.microsoft.com/office/drawing/2014/main" id="{20266535-93C0-4046-98E8-5150C845F73C}"/>
-              </a:ext>
-            </a:extLst>
-          </p:cNvPr>
-          <p:cNvSpPr>
-            <a:spLocks noGrp="1"/>
-          </p:cNvSpPr>
-          <p:nvPr>
-            <p:ph type="title"/>
-          </p:nvPr>
-        </p:nvSpPr>
-        <p:spPr>
-          <a:xfrm>
-            <a:off x="154055" y="506895"/>
-            <a:ext cx="4000502" cy="3448879"/>
-          </a:xfrm>
-        </p:spPr>
-        <p:txBody>
-          <a:bodyPr>
-            <a:normAutofit/>
-          </a:bodyPr>
-          <a:lstStyle/>
-          <a:p>
-            <a:r>
-              <a:rPr lang="en-US" dirty="0"/>
-              <a:t>Usage 3: Embed functions in one function</a:t>
-            </a:r>
-          </a:p>
-        </p:txBody>
-      </p:sp>
-      <p:sp>
-        <p:nvSpPr>
-          <p:cNvPr id="4" name="Rectangle 3">
-            <a:extLst>
-              <a:ext uri="{FF2B5EF4-FFF2-40B4-BE49-F238E27FC236}">
-                <a16:creationId xmlns:a16="http://schemas.microsoft.com/office/drawing/2014/main" id="{D5B7F8BF-4C7C-44F7-A682-45184C47D4BC}"/>
-              </a:ext>
-            </a:extLst>
-          </p:cNvPr>
-          <p:cNvSpPr/>
-          <p:nvPr/>
-        </p:nvSpPr>
-        <p:spPr>
-          <a:xfrm>
-            <a:off x="5738190" y="1074509"/>
-            <a:ext cx="5771324" cy="4708981"/>
-          </a:xfrm>
-          <a:prstGeom prst="rect">
-            <a:avLst/>
-          </a:prstGeom>
-          <a:ln>
-            <a:solidFill>
-              <a:schemeClr val="accent1"/>
-            </a:solidFill>
-          </a:ln>
-        </p:spPr>
-        <p:txBody>
-          <a:bodyPr wrap="square">
-            <a:spAutoFit/>
-          </a:bodyPr>
-          <a:lstStyle/>
-          <a:p>
-            <a:r>
-              <a:rPr lang="en-US" sz="2000" dirty="0"/>
-              <a:t>class test:</a:t>
-            </a:r>
-          </a:p>
-          <a:p>
-            <a:r>
-              <a:rPr lang="en-US" sz="2000" dirty="0"/>
-              <a:t>    def __</a:t>
-            </a:r>
-            <a:r>
-              <a:rPr lang="en-US" sz="2000" dirty="0" err="1"/>
-              <a:t>init</a:t>
-            </a:r>
-            <a:r>
-              <a:rPr lang="en-US" sz="2000" dirty="0"/>
-              <a:t>__(self, counts):</a:t>
-            </a:r>
-          </a:p>
-          <a:p>
-            <a:r>
-              <a:rPr lang="en-US" sz="2000" dirty="0"/>
-              <a:t>        </a:t>
-            </a:r>
-            <a:r>
-              <a:rPr lang="en-US" sz="2000" dirty="0" err="1"/>
-              <a:t>self.counts</a:t>
-            </a:r>
-            <a:r>
-              <a:rPr lang="en-US" sz="2000" dirty="0"/>
-              <a:t>=counts</a:t>
-            </a:r>
-          </a:p>
-          <a:p>
-            <a:r>
-              <a:rPr lang="en-US" sz="2000" dirty="0"/>
-              <a:t>        </a:t>
-            </a:r>
-          </a:p>
-          <a:p>
-            <a:r>
-              <a:rPr lang="en-US" sz="2000" dirty="0"/>
-              <a:t>    def </a:t>
-            </a:r>
-            <a:r>
-              <a:rPr lang="en-US" sz="2000" dirty="0" err="1"/>
-              <a:t>calcRate</a:t>
-            </a:r>
-            <a:r>
-              <a:rPr lang="en-US" sz="2000" dirty="0"/>
-              <a:t>(self):</a:t>
-            </a:r>
-          </a:p>
-          <a:p>
-            <a:r>
-              <a:rPr lang="en-US" sz="2000" dirty="0"/>
-              <a:t>        ##embed a function</a:t>
-            </a:r>
-          </a:p>
-          <a:p>
-            <a:r>
-              <a:rPr lang="en-US" sz="2000" dirty="0"/>
-              <a:t>        def </a:t>
-            </a:r>
-            <a:r>
-              <a:rPr lang="en-US" sz="2000" dirty="0" err="1"/>
-              <a:t>convertCounts</a:t>
-            </a:r>
-            <a:r>
-              <a:rPr lang="en-US" sz="2000" dirty="0"/>
-              <a:t>(counts):</a:t>
-            </a:r>
-          </a:p>
-          <a:p>
-            <a:r>
-              <a:rPr lang="en-US" sz="2000" dirty="0"/>
-              <a:t>            return counts*3</a:t>
-            </a:r>
-          </a:p>
-          <a:p>
-            <a:r>
-              <a:rPr lang="en-US" sz="2000" dirty="0"/>
-              <a:t>        #calculate rate</a:t>
-            </a:r>
-          </a:p>
-          <a:p>
-            <a:r>
-              <a:rPr lang="en-US" sz="2000" dirty="0"/>
-              <a:t>        rate=</a:t>
-            </a:r>
-            <a:r>
-              <a:rPr lang="en-US" sz="2000" dirty="0" err="1"/>
-              <a:t>convertCounts</a:t>
-            </a:r>
-            <a:r>
-              <a:rPr lang="en-US" sz="2000" dirty="0"/>
-              <a:t>(</a:t>
-            </a:r>
-            <a:r>
-              <a:rPr lang="en-US" sz="2000" dirty="0" err="1"/>
-              <a:t>self.counts</a:t>
-            </a:r>
-            <a:r>
-              <a:rPr lang="en-US" sz="2000" dirty="0"/>
-              <a:t>)+10</a:t>
-            </a:r>
-          </a:p>
-          <a:p>
-            <a:r>
-              <a:rPr lang="en-US" sz="2000" dirty="0"/>
-              <a:t>        return rate</a:t>
-            </a:r>
-          </a:p>
-          <a:p>
-            <a:r>
-              <a:rPr lang="en-US" sz="2000" dirty="0"/>
-              <a:t>    </a:t>
-            </a:r>
-          </a:p>
-          <a:p>
-            <a:endParaRPr lang="en-US" sz="2000" dirty="0"/>
-          </a:p>
-          <a:p>
-            <a:r>
-              <a:rPr lang="en-US" sz="2000" dirty="0"/>
-              <a:t>if __name__ == "__main__":</a:t>
-            </a:r>
-          </a:p>
-          <a:p>
-            <a:r>
-              <a:rPr lang="en-US" sz="2000" dirty="0"/>
-              <a:t>    print(test(30).</a:t>
-            </a:r>
-            <a:r>
-              <a:rPr lang="en-US" sz="2000" dirty="0" err="1"/>
-              <a:t>calcRate</a:t>
-            </a:r>
-            <a:r>
-              <a:rPr lang="en-US" sz="2000" dirty="0"/>
-              <a:t>())</a:t>
-            </a:r>
-            <a:endParaRPr lang="en-US" sz="2000" b="1" dirty="0"/>
-          </a:p>
-        </p:txBody>
-      </p:sp>
-    </p:spTree>
-    <p:extLst>
-      <p:ext uri="{BB962C8B-B14F-4D97-AF65-F5344CB8AC3E}">
-        <p14:creationId xmlns:p14="http://schemas.microsoft.com/office/powerpoint/2010/main" val="749916699"/>
-      </p:ext>
-    </p:extLst>
-  </p:cSld>
-  <p:clrMapOvr>
-    <a:masterClrMapping/>
-  </p:clrMapOvr>
-</p:sld>
-</file>
-
 <file path=ppt/slides/slide6.xml><?xml version="1.0" encoding="utf-8"?>
 <p:sld xmlns:a="http://schemas.openxmlformats.org/drawingml/2006/main" xmlns:r="http://schemas.openxmlformats.org/officeDocument/2006/relationships" xmlns:p="http://schemas.openxmlformats.org/presentationml/2006/main">
   <p:cSld>
@@ -5352,6 +5236,248 @@
           <p:cNvPr id="2" name="Title 1">
             <a:extLst>
               <a:ext uri="{FF2B5EF4-FFF2-40B4-BE49-F238E27FC236}">
+                <a16:creationId xmlns:a16="http://schemas.microsoft.com/office/drawing/2014/main" id="{20266535-93C0-4046-98E8-5150C845F73C}"/>
+              </a:ext>
+            </a:extLst>
+          </p:cNvPr>
+          <p:cNvSpPr>
+            <a:spLocks noGrp="1"/>
+          </p:cNvSpPr>
+          <p:nvPr>
+            <p:ph type="title"/>
+          </p:nvPr>
+        </p:nvSpPr>
+        <p:spPr>
+          <a:xfrm>
+            <a:off x="154055" y="506895"/>
+            <a:ext cx="4000502" cy="3448879"/>
+          </a:xfrm>
+        </p:spPr>
+        <p:txBody>
+          <a:bodyPr>
+            <a:normAutofit/>
+          </a:bodyPr>
+          <a:lstStyle/>
+          <a:p>
+            <a:r>
+              <a:rPr lang="en-US" dirty="0"/>
+              <a:t>Usage 3: Embed functions in one function</a:t>
+            </a:r>
+          </a:p>
+        </p:txBody>
+      </p:sp>
+      <p:sp>
+        <p:nvSpPr>
+          <p:cNvPr id="4" name="Rectangle 3">
+            <a:extLst>
+              <a:ext uri="{FF2B5EF4-FFF2-40B4-BE49-F238E27FC236}">
+                <a16:creationId xmlns:a16="http://schemas.microsoft.com/office/drawing/2014/main" id="{D5B7F8BF-4C7C-44F7-A682-45184C47D4BC}"/>
+              </a:ext>
+            </a:extLst>
+          </p:cNvPr>
+          <p:cNvSpPr/>
+          <p:nvPr/>
+        </p:nvSpPr>
+        <p:spPr>
+          <a:xfrm>
+            <a:off x="5738190" y="1074509"/>
+            <a:ext cx="5771324" cy="4708981"/>
+          </a:xfrm>
+          <a:prstGeom prst="rect">
+            <a:avLst/>
+          </a:prstGeom>
+          <a:ln>
+            <a:solidFill>
+              <a:schemeClr val="accent1"/>
+            </a:solidFill>
+          </a:ln>
+        </p:spPr>
+        <p:txBody>
+          <a:bodyPr wrap="square">
+            <a:spAutoFit/>
+          </a:bodyPr>
+          <a:lstStyle/>
+          <a:p>
+            <a:r>
+              <a:rPr lang="en-US" sz="2000" dirty="0"/>
+              <a:t>class test:</a:t>
+            </a:r>
+          </a:p>
+          <a:p>
+            <a:r>
+              <a:rPr lang="en-US" sz="2000" dirty="0"/>
+              <a:t>    def __</a:t>
+            </a:r>
+            <a:r>
+              <a:rPr lang="en-US" sz="2000" dirty="0" err="1"/>
+              <a:t>init</a:t>
+            </a:r>
+            <a:r>
+              <a:rPr lang="en-US" sz="2000" dirty="0"/>
+              <a:t>__(self, counts):</a:t>
+            </a:r>
+          </a:p>
+          <a:p>
+            <a:r>
+              <a:rPr lang="en-US" sz="2000" dirty="0"/>
+              <a:t>        </a:t>
+            </a:r>
+            <a:r>
+              <a:rPr lang="en-US" sz="2000" dirty="0" err="1"/>
+              <a:t>self.counts</a:t>
+            </a:r>
+            <a:r>
+              <a:rPr lang="en-US" sz="2000" dirty="0"/>
+              <a:t>=counts</a:t>
+            </a:r>
+          </a:p>
+          <a:p>
+            <a:r>
+              <a:rPr lang="en-US" sz="2000" dirty="0"/>
+              <a:t>        </a:t>
+            </a:r>
+          </a:p>
+          <a:p>
+            <a:r>
+              <a:rPr lang="en-US" sz="2000" dirty="0"/>
+              <a:t>    def </a:t>
+            </a:r>
+            <a:r>
+              <a:rPr lang="en-US" sz="2000" dirty="0" err="1"/>
+              <a:t>calcRate</a:t>
+            </a:r>
+            <a:r>
+              <a:rPr lang="en-US" sz="2000" dirty="0"/>
+              <a:t>(self):</a:t>
+            </a:r>
+          </a:p>
+          <a:p>
+            <a:r>
+              <a:rPr lang="en-US" sz="2000" dirty="0"/>
+              <a:t>        ##embed a function</a:t>
+            </a:r>
+          </a:p>
+          <a:p>
+            <a:r>
+              <a:rPr lang="en-US" sz="2000" dirty="0"/>
+              <a:t>        def </a:t>
+            </a:r>
+            <a:r>
+              <a:rPr lang="en-US" sz="2000" dirty="0" err="1"/>
+              <a:t>convertCounts</a:t>
+            </a:r>
+            <a:r>
+              <a:rPr lang="en-US" sz="2000" dirty="0"/>
+              <a:t>(counts):</a:t>
+            </a:r>
+          </a:p>
+          <a:p>
+            <a:r>
+              <a:rPr lang="en-US" sz="2000" dirty="0"/>
+              <a:t>            return counts*3</a:t>
+            </a:r>
+          </a:p>
+          <a:p>
+            <a:r>
+              <a:rPr lang="en-US" sz="2000" dirty="0"/>
+              <a:t>        #calculate rate</a:t>
+            </a:r>
+          </a:p>
+          <a:p>
+            <a:r>
+              <a:rPr lang="en-US" sz="2000" dirty="0"/>
+              <a:t>        rate=</a:t>
+            </a:r>
+            <a:r>
+              <a:rPr lang="en-US" sz="2000" dirty="0" err="1"/>
+              <a:t>convertCounts</a:t>
+            </a:r>
+            <a:r>
+              <a:rPr lang="en-US" sz="2000" dirty="0"/>
+              <a:t>(</a:t>
+            </a:r>
+            <a:r>
+              <a:rPr lang="en-US" sz="2000" dirty="0" err="1"/>
+              <a:t>self.counts</a:t>
+            </a:r>
+            <a:r>
+              <a:rPr lang="en-US" sz="2000" dirty="0"/>
+              <a:t>)+10</a:t>
+            </a:r>
+          </a:p>
+          <a:p>
+            <a:r>
+              <a:rPr lang="en-US" sz="2000" dirty="0"/>
+              <a:t>        return rate</a:t>
+            </a:r>
+          </a:p>
+          <a:p>
+            <a:r>
+              <a:rPr lang="en-US" sz="2000" dirty="0"/>
+              <a:t>    </a:t>
+            </a:r>
+          </a:p>
+          <a:p>
+            <a:endParaRPr lang="en-US" sz="2000" dirty="0"/>
+          </a:p>
+          <a:p>
+            <a:r>
+              <a:rPr lang="en-US" sz="2000" dirty="0"/>
+              <a:t>if __name__ == "__main__":</a:t>
+            </a:r>
+          </a:p>
+          <a:p>
+            <a:r>
+              <a:rPr lang="en-US" sz="2000" dirty="0"/>
+              <a:t>    print(test(30).</a:t>
+            </a:r>
+            <a:r>
+              <a:rPr lang="en-US" sz="2000" dirty="0" err="1"/>
+              <a:t>calcRate</a:t>
+            </a:r>
+            <a:r>
+              <a:rPr lang="en-US" sz="2000" dirty="0"/>
+              <a:t>())</a:t>
+            </a:r>
+            <a:endParaRPr lang="en-US" sz="2000" b="1" dirty="0"/>
+          </a:p>
+        </p:txBody>
+      </p:sp>
+    </p:spTree>
+    <p:extLst>
+      <p:ext uri="{BB962C8B-B14F-4D97-AF65-F5344CB8AC3E}">
+        <p14:creationId xmlns:p14="http://schemas.microsoft.com/office/powerpoint/2010/main" val="749916699"/>
+      </p:ext>
+    </p:extLst>
+  </p:cSld>
+  <p:clrMapOvr>
+    <a:masterClrMapping/>
+  </p:clrMapOvr>
+</p:sld>
+</file>
+
+<file path=ppt/slides/slide7.xml><?xml version="1.0" encoding="utf-8"?>
+<p:sld xmlns:a="http://schemas.openxmlformats.org/drawingml/2006/main" xmlns:r="http://schemas.openxmlformats.org/officeDocument/2006/relationships" xmlns:p="http://schemas.openxmlformats.org/presentationml/2006/main">
+  <p:cSld>
+    <p:spTree>
+      <p:nvGrpSpPr>
+        <p:cNvPr id="1" name=""/>
+        <p:cNvGrpSpPr/>
+        <p:nvPr/>
+      </p:nvGrpSpPr>
+      <p:grpSpPr>
+        <a:xfrm>
+          <a:off x="0" y="0"/>
+          <a:ext cx="0" cy="0"/>
+          <a:chOff x="0" y="0"/>
+          <a:chExt cx="0" cy="0"/>
+        </a:xfrm>
+      </p:grpSpPr>
+      <p:sp>
+        <p:nvSpPr>
+          <p:cNvPr id="2" name="Title 1">
+            <a:extLst>
+              <a:ext uri="{FF2B5EF4-FFF2-40B4-BE49-F238E27FC236}">
                 <a16:creationId xmlns:a16="http://schemas.microsoft.com/office/drawing/2014/main" id="{A949C466-D4A9-45DA-A541-B54A92746D38}"/>
               </a:ext>
             </a:extLst>
@@ -5407,7 +5533,7 @@
             </a:br>
             <a:r>
               <a:rPr lang="en-US" sz="3200" b="1" dirty="0"/>
-              <a:t>1. Pass additional arguments to a function: extend a function</a:t>
+              <a:t>1. Pass additional arguments to a function: extend a function -&gt; function is an object in Python</a:t>
             </a:r>
             <a:br>
               <a:rPr lang="en-US" sz="3200" b="1" dirty="0"/>
@@ -5421,10 +5547,14 @@
             </a:br>
             <a:r>
               <a:rPr lang="en-US" sz="3200" dirty="0"/>
-              <a:t>3. Reuse Python code, and make code more succinct.</a:t>
+              <a:t>3. </a:t>
+            </a:r>
+            <a:r>
+              <a:rPr lang="en-US" sz="3200" b="1" dirty="0"/>
+              <a:t>Reuse Python code, and make code more succinct.</a:t>
             </a:r>
             <a:br>
-              <a:rPr lang="en-US" sz="3200" dirty="0"/>
+              <a:rPr lang="en-US" sz="3200" b="1" dirty="0"/>
             </a:br>
             <a:r>
               <a:rPr lang="en-US" sz="3200" dirty="0"/>
@@ -5453,7 +5583,143 @@
 </p:sld>
 </file>
 
-<file path=ppt/slides/slide7.xml><?xml version="1.0" encoding="utf-8"?>
+<file path=ppt/slides/slide8.xml><?xml version="1.0" encoding="utf-8"?>
+<p:sld xmlns:a="http://schemas.openxmlformats.org/drawingml/2006/main" xmlns:r="http://schemas.openxmlformats.org/officeDocument/2006/relationships" xmlns:p="http://schemas.openxmlformats.org/presentationml/2006/main">
+  <p:cSld>
+    <p:spTree>
+      <p:nvGrpSpPr>
+        <p:cNvPr id="1" name=""/>
+        <p:cNvGrpSpPr/>
+        <p:nvPr/>
+      </p:nvGrpSpPr>
+      <p:grpSpPr>
+        <a:xfrm>
+          <a:off x="0" y="0"/>
+          <a:ext cx="0" cy="0"/>
+          <a:chOff x="0" y="0"/>
+          <a:chExt cx="0" cy="0"/>
+        </a:xfrm>
+      </p:grpSpPr>
+      <p:sp>
+        <p:nvSpPr>
+          <p:cNvPr id="2" name="Title 1">
+            <a:extLst>
+              <a:ext uri="{FF2B5EF4-FFF2-40B4-BE49-F238E27FC236}">
+                <a16:creationId xmlns:a16="http://schemas.microsoft.com/office/drawing/2014/main" id="{C3A938DB-D472-4276-9353-D199B4D5B231}"/>
+              </a:ext>
+            </a:extLst>
+          </p:cNvPr>
+          <p:cNvSpPr>
+            <a:spLocks noGrp="1"/>
+          </p:cNvSpPr>
+          <p:nvPr>
+            <p:ph type="title"/>
+          </p:nvPr>
+        </p:nvSpPr>
+        <p:spPr>
+          <a:xfrm>
+            <a:off x="838200" y="365125"/>
+            <a:ext cx="4267200" cy="1325563"/>
+          </a:xfrm>
+        </p:spPr>
+        <p:txBody>
+          <a:bodyPr/>
+          <a:lstStyle/>
+          <a:p>
+            <a:r>
+              <a:rPr lang="en-US" dirty="0"/>
+              <a:t>update log when in DevOps </a:t>
+            </a:r>
+          </a:p>
+        </p:txBody>
+      </p:sp>
+      <p:sp>
+        <p:nvSpPr>
+          <p:cNvPr id="3" name="Content Placeholder 2">
+            <a:extLst>
+              <a:ext uri="{FF2B5EF4-FFF2-40B4-BE49-F238E27FC236}">
+                <a16:creationId xmlns:a16="http://schemas.microsoft.com/office/drawing/2014/main" id="{217D3F06-51AB-41D7-9302-FAC79FC94096}"/>
+              </a:ext>
+            </a:extLst>
+          </p:cNvPr>
+          <p:cNvSpPr>
+            <a:spLocks noGrp="1"/>
+          </p:cNvSpPr>
+          <p:nvPr>
+            <p:ph idx="1"/>
+          </p:nvPr>
+        </p:nvSpPr>
+        <p:spPr>
+          <a:xfrm>
+            <a:off x="838200" y="3517901"/>
+            <a:ext cx="4038600" cy="2659062"/>
+          </a:xfrm>
+        </p:spPr>
+        <p:txBody>
+          <a:bodyPr/>
+          <a:lstStyle/>
+          <a:p>
+            <a:r>
+              <a:rPr lang="en-US" dirty="0"/>
+              <a:t>Create decorator class</a:t>
+            </a:r>
+          </a:p>
+          <a:p>
+            <a:r>
+              <a:rPr lang="en-US" dirty="0"/>
+              <a:t>Call various decorators based on </a:t>
+            </a:r>
+            <a:r>
+              <a:rPr lang="en-US"/>
+              <a:t>various methods</a:t>
+            </a:r>
+            <a:endParaRPr lang="en-US" dirty="0"/>
+          </a:p>
+        </p:txBody>
+      </p:sp>
+      <p:pic>
+        <p:nvPicPr>
+          <p:cNvPr id="4" name="Picture 3">
+            <a:extLst>
+              <a:ext uri="{FF2B5EF4-FFF2-40B4-BE49-F238E27FC236}">
+                <a16:creationId xmlns:a16="http://schemas.microsoft.com/office/drawing/2014/main" id="{B63B461D-862E-426C-A8D4-78F9344741C4}"/>
+              </a:ext>
+            </a:extLst>
+          </p:cNvPr>
+          <p:cNvPicPr>
+            <a:picLocks noChangeAspect="1"/>
+          </p:cNvPicPr>
+          <p:nvPr/>
+        </p:nvPicPr>
+        <p:blipFill rotWithShape="1">
+          <a:blip r:embed="rId2"/>
+          <a:srcRect l="24479" t="16573" r="30521" b="4523"/>
+          <a:stretch/>
+        </p:blipFill>
+        <p:spPr>
+          <a:xfrm>
+            <a:off x="5270500" y="262467"/>
+            <a:ext cx="6629400" cy="6230408"/>
+          </a:xfrm>
+          <a:prstGeom prst="rect">
+            <a:avLst/>
+          </a:prstGeom>
+        </p:spPr>
+      </p:pic>
+    </p:spTree>
+    <p:extLst>
+      <p:ext uri="{BB962C8B-B14F-4D97-AF65-F5344CB8AC3E}">
+        <p14:creationId xmlns:p14="http://schemas.microsoft.com/office/powerpoint/2010/main" val="1385410207"/>
+      </p:ext>
+    </p:extLst>
+  </p:cSld>
+  <p:clrMapOvr>
+    <a:masterClrMapping/>
+  </p:clrMapOvr>
+</p:sld>
+</file>
+
+<file path=ppt/slides/slide9.xml><?xml version="1.0" encoding="utf-8"?>
 <p:sld xmlns:a="http://schemas.openxmlformats.org/drawingml/2006/main" xmlns:r="http://schemas.openxmlformats.org/officeDocument/2006/relationships" xmlns:p="http://schemas.openxmlformats.org/presentationml/2006/main">
   <p:cSld>
     <p:spTree>
